--- a/de12/files/データマイニング2・インタビュー/20231128 デザイン演習インタビュー（金子采可）横浜画像.pptx
+++ b/de12/files/データマイニング2・インタビュー/20231128 デザイン演習インタビュー（金子采可）横浜画像.pptx
@@ -5,15 +5,17 @@
     <p:sldMasterId id="2147483648" r:id="rId1"/>
   </p:sldMasterIdLst>
   <p:notesMasterIdLst>
-    <p:notesMasterId r:id="rId8"/>
+    <p:notesMasterId r:id="rId10"/>
   </p:notesMasterIdLst>
   <p:sldIdLst>
     <p:sldId id="256" r:id="rId2"/>
     <p:sldId id="258" r:id="rId3"/>
     <p:sldId id="257" r:id="rId4"/>
-    <p:sldId id="260" r:id="rId5"/>
-    <p:sldId id="259" r:id="rId6"/>
+    <p:sldId id="262" r:id="rId5"/>
+    <p:sldId id="260" r:id="rId6"/>
     <p:sldId id="261" r:id="rId7"/>
+    <p:sldId id="263" r:id="rId8"/>
+    <p:sldId id="259" r:id="rId9"/>
   </p:sldIdLst>
   <p:sldSz cx="12192000" cy="6858000"/>
   <p:notesSz cx="6858000" cy="9144000"/>
@@ -202,7 +204,7 @@
           <a:p>
             <a:fld id="{F6BBBCB4-148B-4EB1-A1A1-9ED6178BE9DA}" type="datetimeFigureOut">
               <a:rPr kumimoji="1" lang="ja-JP" altLang="en-US" smtClean="0"/>
-              <a:t>2023/11/29</a:t>
+              <a:t>2023/12/5</a:t>
             </a:fld>
             <a:endParaRPr kumimoji="1" lang="ja-JP" altLang="en-US"/>
           </a:p>
@@ -732,7 +734,7 @@
           <a:p>
             <a:fld id="{197B15FE-388E-4325-9177-C7D90DBE56F4}" type="datetimeFigureOut">
               <a:rPr kumimoji="1" lang="ja-JP" altLang="en-US" smtClean="0"/>
-              <a:t>2023/11/29</a:t>
+              <a:t>2023/12/5</a:t>
             </a:fld>
             <a:endParaRPr kumimoji="1" lang="ja-JP" altLang="en-US"/>
           </a:p>
@@ -962,7 +964,7 @@
           <a:p>
             <a:fld id="{197B15FE-388E-4325-9177-C7D90DBE56F4}" type="datetimeFigureOut">
               <a:rPr kumimoji="1" lang="ja-JP" altLang="en-US" smtClean="0"/>
-              <a:t>2023/11/29</a:t>
+              <a:t>2023/12/5</a:t>
             </a:fld>
             <a:endParaRPr kumimoji="1" lang="ja-JP" altLang="en-US"/>
           </a:p>
@@ -1202,7 +1204,7 @@
           <a:p>
             <a:fld id="{197B15FE-388E-4325-9177-C7D90DBE56F4}" type="datetimeFigureOut">
               <a:rPr kumimoji="1" lang="ja-JP" altLang="en-US" smtClean="0"/>
-              <a:t>2023/11/29</a:t>
+              <a:t>2023/12/5</a:t>
             </a:fld>
             <a:endParaRPr kumimoji="1" lang="ja-JP" altLang="en-US"/>
           </a:p>
@@ -1432,7 +1434,7 @@
           <a:p>
             <a:fld id="{197B15FE-388E-4325-9177-C7D90DBE56F4}" type="datetimeFigureOut">
               <a:rPr kumimoji="1" lang="ja-JP" altLang="en-US" smtClean="0"/>
-              <a:t>2023/11/29</a:t>
+              <a:t>2023/12/5</a:t>
             </a:fld>
             <a:endParaRPr kumimoji="1" lang="ja-JP" altLang="en-US"/>
           </a:p>
@@ -1707,7 +1709,7 @@
           <a:p>
             <a:fld id="{197B15FE-388E-4325-9177-C7D90DBE56F4}" type="datetimeFigureOut">
               <a:rPr kumimoji="1" lang="ja-JP" altLang="en-US" smtClean="0"/>
-              <a:t>2023/11/29</a:t>
+              <a:t>2023/12/5</a:t>
             </a:fld>
             <a:endParaRPr kumimoji="1" lang="ja-JP" altLang="en-US"/>
           </a:p>
@@ -2036,7 +2038,7 @@
           <a:p>
             <a:fld id="{197B15FE-388E-4325-9177-C7D90DBE56F4}" type="datetimeFigureOut">
               <a:rPr kumimoji="1" lang="ja-JP" altLang="en-US" smtClean="0"/>
-              <a:t>2023/11/29</a:t>
+              <a:t>2023/12/5</a:t>
             </a:fld>
             <a:endParaRPr kumimoji="1" lang="ja-JP" altLang="en-US"/>
           </a:p>
@@ -2512,7 +2514,7 @@
           <a:p>
             <a:fld id="{197B15FE-388E-4325-9177-C7D90DBE56F4}" type="datetimeFigureOut">
               <a:rPr kumimoji="1" lang="ja-JP" altLang="en-US" smtClean="0"/>
-              <a:t>2023/11/29</a:t>
+              <a:t>2023/12/5</a:t>
             </a:fld>
             <a:endParaRPr kumimoji="1" lang="ja-JP" altLang="en-US"/>
           </a:p>
@@ -2653,7 +2655,7 @@
           <a:p>
             <a:fld id="{197B15FE-388E-4325-9177-C7D90DBE56F4}" type="datetimeFigureOut">
               <a:rPr kumimoji="1" lang="ja-JP" altLang="en-US" smtClean="0"/>
-              <a:t>2023/11/29</a:t>
+              <a:t>2023/12/5</a:t>
             </a:fld>
             <a:endParaRPr kumimoji="1" lang="ja-JP" altLang="en-US"/>
           </a:p>
@@ -2766,7 +2768,7 @@
           <a:p>
             <a:fld id="{197B15FE-388E-4325-9177-C7D90DBE56F4}" type="datetimeFigureOut">
               <a:rPr kumimoji="1" lang="ja-JP" altLang="en-US" smtClean="0"/>
-              <a:t>2023/11/29</a:t>
+              <a:t>2023/12/5</a:t>
             </a:fld>
             <a:endParaRPr kumimoji="1" lang="ja-JP" altLang="en-US"/>
           </a:p>
@@ -3109,7 +3111,7 @@
           <a:p>
             <a:fld id="{197B15FE-388E-4325-9177-C7D90DBE56F4}" type="datetimeFigureOut">
               <a:rPr kumimoji="1" lang="ja-JP" altLang="en-US" smtClean="0"/>
-              <a:t>2023/11/29</a:t>
+              <a:t>2023/12/5</a:t>
             </a:fld>
             <a:endParaRPr kumimoji="1" lang="ja-JP" altLang="en-US"/>
           </a:p>
@@ -3397,7 +3399,7 @@
           <a:p>
             <a:fld id="{197B15FE-388E-4325-9177-C7D90DBE56F4}" type="datetimeFigureOut">
               <a:rPr kumimoji="1" lang="ja-JP" altLang="en-US" smtClean="0"/>
-              <a:t>2023/11/29</a:t>
+              <a:t>2023/12/5</a:t>
             </a:fld>
             <a:endParaRPr kumimoji="1" lang="ja-JP" altLang="en-US"/>
           </a:p>
@@ -3670,7 +3672,7 @@
           <a:p>
             <a:fld id="{197B15FE-388E-4325-9177-C7D90DBE56F4}" type="datetimeFigureOut">
               <a:rPr kumimoji="1" lang="ja-JP" altLang="en-US" smtClean="0"/>
-              <a:t>2023/11/29</a:t>
+              <a:t>2023/12/5</a:t>
             </a:fld>
             <a:endParaRPr kumimoji="1" lang="ja-JP" altLang="en-US"/>
           </a:p>
@@ -4537,19 +4539,19 @@
       </p:grpSpPr>
       <p:pic>
         <p:nvPicPr>
-          <p:cNvPr id="3074" name="Picture 2" descr="1977">
-            <a:extLst>
-              <a:ext uri="{FF2B5EF4-FFF2-40B4-BE49-F238E27FC236}">
-                <a16:creationId xmlns:a16="http://schemas.microsoft.com/office/drawing/2014/main" id="{0C94C04A-7FB4-F51D-B116-BCDAAF8E95B2}"/>
+          <p:cNvPr id="3" name="図 2">
+            <a:extLst>
+              <a:ext uri="{FF2B5EF4-FFF2-40B4-BE49-F238E27FC236}">
+                <a16:creationId xmlns:a16="http://schemas.microsoft.com/office/drawing/2014/main" id="{8E07E8E7-8160-F9A0-7884-C3EBF9E2D260}"/>
               </a:ext>
             </a:extLst>
           </p:cNvPr>
           <p:cNvPicPr>
-            <a:picLocks noChangeAspect="1" noChangeArrowheads="1"/>
+            <a:picLocks noChangeAspect="1"/>
           </p:cNvPicPr>
           <p:nvPr/>
         </p:nvPicPr>
-        <p:blipFill>
+        <p:blipFill rotWithShape="1">
           <a:blip r:embed="rId2">
             <a:extLst>
               <a:ext uri="{28A0092B-C50C-407E-A947-70E740481C1C}">
@@ -4557,70 +4559,58 @@
               </a:ext>
             </a:extLst>
           </a:blip>
-          <a:srcRect/>
-          <a:stretch>
-            <a:fillRect/>
-          </a:stretch>
+          <a:srcRect l="4123" r="2909" b="8179"/>
+          <a:stretch/>
         </p:blipFill>
-        <p:spPr bwMode="auto">
+        <p:spPr>
           <a:xfrm>
-            <a:off x="1094" y="0"/>
-            <a:ext cx="12190906" cy="5735053"/>
+            <a:off x="0" y="0"/>
+            <a:ext cx="9238268" cy="6858000"/>
           </a:xfrm>
           <a:prstGeom prst="rect">
             <a:avLst/>
           </a:prstGeom>
-          <a:noFill/>
-          <a:extLst>
-            <a:ext uri="{909E8E84-426E-40DD-AFC4-6F175D3DCCD1}">
-              <a14:hiddenFill xmlns:a14="http://schemas.microsoft.com/office/drawing/2010/main">
-                <a:solidFill>
-                  <a:srgbClr val="FFFFFF"/>
-                </a:solidFill>
-              </a14:hiddenFill>
-            </a:ext>
-          </a:extLst>
         </p:spPr>
       </p:pic>
-      <p:sp>
-        <p:nvSpPr>
-          <p:cNvPr id="2" name="テキスト ボックス 1">
-            <a:extLst>
-              <a:ext uri="{FF2B5EF4-FFF2-40B4-BE49-F238E27FC236}">
-                <a16:creationId xmlns:a16="http://schemas.microsoft.com/office/drawing/2014/main" id="{F822231E-8FEF-1CE9-B0B8-EBBBDA2FAC37}"/>
-              </a:ext>
-            </a:extLst>
-          </p:cNvPr>
-          <p:cNvSpPr txBox="1"/>
+      <p:pic>
+        <p:nvPicPr>
+          <p:cNvPr id="5" name="図 4">
+            <a:extLst>
+              <a:ext uri="{FF2B5EF4-FFF2-40B4-BE49-F238E27FC236}">
+                <a16:creationId xmlns:a16="http://schemas.microsoft.com/office/drawing/2014/main" id="{6E3B1472-E0E5-86A5-DF78-193E95DCB920}"/>
+              </a:ext>
+            </a:extLst>
+          </p:cNvPr>
+          <p:cNvPicPr>
+            <a:picLocks noChangeAspect="1"/>
+          </p:cNvPicPr>
           <p:nvPr/>
-        </p:nvSpPr>
+        </p:nvPicPr>
+        <p:blipFill rotWithShape="1">
+          <a:blip r:embed="rId3">
+            <a:extLst>
+              <a:ext uri="{28A0092B-C50C-407E-A947-70E740481C1C}">
+                <a14:useLocalDpi xmlns:a14="http://schemas.microsoft.com/office/drawing/2010/main" val="0"/>
+              </a:ext>
+            </a:extLst>
+          </a:blip>
+          <a:srcRect l="34458" t="30750" r="34716" b="28181"/>
+          <a:stretch/>
+        </p:blipFill>
         <p:spPr>
           <a:xfrm>
-            <a:off x="345649" y="6028971"/>
-            <a:ext cx="11500701" cy="523220"/>
+            <a:off x="9238268" y="3907411"/>
+            <a:ext cx="2953732" cy="2950589"/>
           </a:xfrm>
           <a:prstGeom prst="rect">
             <a:avLst/>
           </a:prstGeom>
-          <a:noFill/>
         </p:spPr>
-        <p:txBody>
-          <a:bodyPr wrap="square" rtlCol="0">
-            <a:spAutoFit/>
-          </a:bodyPr>
-          <a:lstStyle/>
-          <a:p>
-            <a:r>
-              <a:rPr kumimoji="1" lang="ja-JP" altLang="en-US" sz="2800" dirty="0"/>
-              <a:t>１９７７年４月　横浜スタジアム　新球場の工事着工</a:t>
-            </a:r>
-          </a:p>
-        </p:txBody>
-      </p:sp>
+      </p:pic>
     </p:spTree>
     <p:extLst>
       <p:ext uri="{BB962C8B-B14F-4D97-AF65-F5344CB8AC3E}">
-        <p14:creationId xmlns:p14="http://schemas.microsoft.com/office/powerpoint/2010/main" val="185734760"/>
+        <p14:creationId xmlns:p14="http://schemas.microsoft.com/office/powerpoint/2010/main" val="1754782975"/>
       </p:ext>
     </p:extLst>
   </p:cSld>
@@ -4649,10 +4639,10 @@
       </p:grpSpPr>
       <p:pic>
         <p:nvPicPr>
-          <p:cNvPr id="2050" name="Picture 2" descr="ハマボノの概要 | 横浜市 ハマボノ">
-            <a:extLst>
-              <a:ext uri="{FF2B5EF4-FFF2-40B4-BE49-F238E27FC236}">
-                <a16:creationId xmlns:a16="http://schemas.microsoft.com/office/drawing/2014/main" id="{A0680074-F24B-4761-4A31-7D689D43CEE8}"/>
+          <p:cNvPr id="3074" name="Picture 2" descr="1977">
+            <a:extLst>
+              <a:ext uri="{FF2B5EF4-FFF2-40B4-BE49-F238E27FC236}">
+                <a16:creationId xmlns:a16="http://schemas.microsoft.com/office/drawing/2014/main" id="{0C94C04A-7FB4-F51D-B116-BCDAAF8E95B2}"/>
               </a:ext>
             </a:extLst>
           </p:cNvPr>
@@ -4676,8 +4666,8 @@
         </p:blipFill>
         <p:spPr bwMode="auto">
           <a:xfrm>
-            <a:off x="0" y="0"/>
-            <a:ext cx="12192000" cy="6858000"/>
+            <a:off x="1094" y="0"/>
+            <a:ext cx="12190906" cy="5735053"/>
           </a:xfrm>
           <a:prstGeom prst="rect">
             <a:avLst/>
@@ -4694,10 +4684,45 @@
           </a:extLst>
         </p:spPr>
       </p:pic>
+      <p:sp>
+        <p:nvSpPr>
+          <p:cNvPr id="2" name="テキスト ボックス 1">
+            <a:extLst>
+              <a:ext uri="{FF2B5EF4-FFF2-40B4-BE49-F238E27FC236}">
+                <a16:creationId xmlns:a16="http://schemas.microsoft.com/office/drawing/2014/main" id="{F822231E-8FEF-1CE9-B0B8-EBBBDA2FAC37}"/>
+              </a:ext>
+            </a:extLst>
+          </p:cNvPr>
+          <p:cNvSpPr txBox="1"/>
+          <p:nvPr/>
+        </p:nvSpPr>
+        <p:spPr>
+          <a:xfrm>
+            <a:off x="345649" y="6028971"/>
+            <a:ext cx="11500701" cy="523220"/>
+          </a:xfrm>
+          <a:prstGeom prst="rect">
+            <a:avLst/>
+          </a:prstGeom>
+          <a:noFill/>
+        </p:spPr>
+        <p:txBody>
+          <a:bodyPr wrap="square" rtlCol="0">
+            <a:spAutoFit/>
+          </a:bodyPr>
+          <a:lstStyle/>
+          <a:p>
+            <a:r>
+              <a:rPr kumimoji="1" lang="ja-JP" altLang="en-US" sz="2800" dirty="0"/>
+              <a:t>１９７７年４月　横浜スタジアム　新球場の工事着工</a:t>
+            </a:r>
+          </a:p>
+        </p:txBody>
+      </p:sp>
     </p:spTree>
     <p:extLst>
       <p:ext uri="{BB962C8B-B14F-4D97-AF65-F5344CB8AC3E}">
-        <p14:creationId xmlns:p14="http://schemas.microsoft.com/office/powerpoint/2010/main" val="1418750059"/>
+        <p14:creationId xmlns:p14="http://schemas.microsoft.com/office/powerpoint/2010/main" val="185734760"/>
       </p:ext>
     </p:extLst>
   </p:cSld>
@@ -4905,6 +4930,184 @@
     <p:extLst>
       <p:ext uri="{BB962C8B-B14F-4D97-AF65-F5344CB8AC3E}">
         <p14:creationId xmlns:p14="http://schemas.microsoft.com/office/powerpoint/2010/main" val="432073463"/>
+      </p:ext>
+    </p:extLst>
+  </p:cSld>
+  <p:clrMapOvr>
+    <a:masterClrMapping/>
+  </p:clrMapOvr>
+</p:sld>
+</file>
+
+<file path=ppt/slides/slide7.xml><?xml version="1.0" encoding="utf-8"?>
+<p:sld xmlns:a="http://schemas.openxmlformats.org/drawingml/2006/main" xmlns:r="http://schemas.openxmlformats.org/officeDocument/2006/relationships" xmlns:p="http://schemas.openxmlformats.org/presentationml/2006/main">
+  <p:cSld>
+    <p:spTree>
+      <p:nvGrpSpPr>
+        <p:cNvPr id="1" name=""/>
+        <p:cNvGrpSpPr/>
+        <p:nvPr/>
+      </p:nvGrpSpPr>
+      <p:grpSpPr>
+        <a:xfrm>
+          <a:off x="0" y="0"/>
+          <a:ext cx="0" cy="0"/>
+          <a:chOff x="0" y="0"/>
+          <a:chExt cx="0" cy="0"/>
+        </a:xfrm>
+      </p:grpSpPr>
+      <p:pic>
+        <p:nvPicPr>
+          <p:cNvPr id="3" name="図 2">
+            <a:extLst>
+              <a:ext uri="{FF2B5EF4-FFF2-40B4-BE49-F238E27FC236}">
+                <a16:creationId xmlns:a16="http://schemas.microsoft.com/office/drawing/2014/main" id="{70EF2EB3-1B42-95BC-B2DA-8C5A9A75C6D2}"/>
+              </a:ext>
+            </a:extLst>
+          </p:cNvPr>
+          <p:cNvPicPr>
+            <a:picLocks noChangeAspect="1"/>
+          </p:cNvPicPr>
+          <p:nvPr/>
+        </p:nvPicPr>
+        <p:blipFill>
+          <a:blip r:embed="rId2">
+            <a:extLst>
+              <a:ext uri="{28A0092B-C50C-407E-A947-70E740481C1C}">
+                <a14:useLocalDpi xmlns:a14="http://schemas.microsoft.com/office/drawing/2010/main" val="0"/>
+              </a:ext>
+            </a:extLst>
+          </a:blip>
+          <a:stretch>
+            <a:fillRect/>
+          </a:stretch>
+        </p:blipFill>
+        <p:spPr>
+          <a:xfrm>
+            <a:off x="0" y="0"/>
+            <a:ext cx="9146061" cy="6858000"/>
+          </a:xfrm>
+          <a:prstGeom prst="rect">
+            <a:avLst/>
+          </a:prstGeom>
+        </p:spPr>
+      </p:pic>
+      <p:pic>
+        <p:nvPicPr>
+          <p:cNvPr id="5" name="図 4">
+            <a:extLst>
+              <a:ext uri="{FF2B5EF4-FFF2-40B4-BE49-F238E27FC236}">
+                <a16:creationId xmlns:a16="http://schemas.microsoft.com/office/drawing/2014/main" id="{1E2FFAD1-0154-F894-6181-79574A51FF43}"/>
+              </a:ext>
+            </a:extLst>
+          </p:cNvPr>
+          <p:cNvPicPr>
+            <a:picLocks noChangeAspect="1"/>
+          </p:cNvPicPr>
+          <p:nvPr/>
+        </p:nvPicPr>
+        <p:blipFill rotWithShape="1">
+          <a:blip r:embed="rId3">
+            <a:extLst>
+              <a:ext uri="{28A0092B-C50C-407E-A947-70E740481C1C}">
+                <a14:useLocalDpi xmlns:a14="http://schemas.microsoft.com/office/drawing/2010/main" val="0"/>
+              </a:ext>
+            </a:extLst>
+          </a:blip>
+          <a:srcRect l="40149" t="15682" r="32538" b="38820"/>
+          <a:stretch/>
+        </p:blipFill>
+        <p:spPr>
+          <a:xfrm>
+            <a:off x="9146061" y="3053449"/>
+            <a:ext cx="3045939" cy="3804551"/>
+          </a:xfrm>
+          <a:prstGeom prst="rect">
+            <a:avLst/>
+          </a:prstGeom>
+        </p:spPr>
+      </p:pic>
+    </p:spTree>
+    <p:extLst>
+      <p:ext uri="{BB962C8B-B14F-4D97-AF65-F5344CB8AC3E}">
+        <p14:creationId xmlns:p14="http://schemas.microsoft.com/office/powerpoint/2010/main" val="725760260"/>
+      </p:ext>
+    </p:extLst>
+  </p:cSld>
+  <p:clrMapOvr>
+    <a:masterClrMapping/>
+  </p:clrMapOvr>
+</p:sld>
+</file>
+
+<file path=ppt/slides/slide8.xml><?xml version="1.0" encoding="utf-8"?>
+<p:sld xmlns:a="http://schemas.openxmlformats.org/drawingml/2006/main" xmlns:r="http://schemas.openxmlformats.org/officeDocument/2006/relationships" xmlns:p="http://schemas.openxmlformats.org/presentationml/2006/main">
+  <p:cSld>
+    <p:spTree>
+      <p:nvGrpSpPr>
+        <p:cNvPr id="1" name=""/>
+        <p:cNvGrpSpPr/>
+        <p:nvPr/>
+      </p:nvGrpSpPr>
+      <p:grpSpPr>
+        <a:xfrm>
+          <a:off x="0" y="0"/>
+          <a:ext cx="0" cy="0"/>
+          <a:chOff x="0" y="0"/>
+          <a:chExt cx="0" cy="0"/>
+        </a:xfrm>
+      </p:grpSpPr>
+      <p:pic>
+        <p:nvPicPr>
+          <p:cNvPr id="2050" name="Picture 2" descr="ハマボノの概要 | 横浜市 ハマボノ">
+            <a:extLst>
+              <a:ext uri="{FF2B5EF4-FFF2-40B4-BE49-F238E27FC236}">
+                <a16:creationId xmlns:a16="http://schemas.microsoft.com/office/drawing/2014/main" id="{A0680074-F24B-4761-4A31-7D689D43CEE8}"/>
+              </a:ext>
+            </a:extLst>
+          </p:cNvPr>
+          <p:cNvPicPr>
+            <a:picLocks noChangeAspect="1" noChangeArrowheads="1"/>
+          </p:cNvPicPr>
+          <p:nvPr/>
+        </p:nvPicPr>
+        <p:blipFill>
+          <a:blip r:embed="rId2">
+            <a:extLst>
+              <a:ext uri="{28A0092B-C50C-407E-A947-70E740481C1C}">
+                <a14:useLocalDpi xmlns:a14="http://schemas.microsoft.com/office/drawing/2010/main" val="0"/>
+              </a:ext>
+            </a:extLst>
+          </a:blip>
+          <a:srcRect/>
+          <a:stretch>
+            <a:fillRect/>
+          </a:stretch>
+        </p:blipFill>
+        <p:spPr bwMode="auto">
+          <a:xfrm>
+            <a:off x="0" y="0"/>
+            <a:ext cx="12192000" cy="6858000"/>
+          </a:xfrm>
+          <a:prstGeom prst="rect">
+            <a:avLst/>
+          </a:prstGeom>
+          <a:noFill/>
+          <a:extLst>
+            <a:ext uri="{909E8E84-426E-40DD-AFC4-6F175D3DCCD1}">
+              <a14:hiddenFill xmlns:a14="http://schemas.microsoft.com/office/drawing/2010/main">
+                <a:solidFill>
+                  <a:srgbClr val="FFFFFF"/>
+                </a:solidFill>
+              </a14:hiddenFill>
+            </a:ext>
+          </a:extLst>
+        </p:spPr>
+      </p:pic>
+    </p:spTree>
+    <p:extLst>
+      <p:ext uri="{BB962C8B-B14F-4D97-AF65-F5344CB8AC3E}">
+        <p14:creationId xmlns:p14="http://schemas.microsoft.com/office/powerpoint/2010/main" val="1418750059"/>
       </p:ext>
     </p:extLst>
   </p:cSld>
